--- a/数据采集系统/数据采集系统 第三讲.pptx
+++ b/数据采集系统/数据采集系统 第三讲.pptx
@@ -277,7 +277,7 @@
           <a:p>
             <a:fld id="{015ED1EF-CE0C-4F5B-8D56-F992AB1193E6}" type="datetimeFigureOut">
               <a:rPr lang="zh-CN" altLang="en-US" smtClean="0"/>
-              <a:t>2020/9/30</a:t>
+              <a:t>2020/10/5</a:t>
             </a:fld>
             <a:endParaRPr lang="zh-CN" altLang="en-US"/>
           </a:p>
@@ -3915,7 +3915,7 @@
           <a:p>
             <a:fld id="{530820CF-B880-4189-942D-D702A7CBA730}" type="datetimeFigureOut">
               <a:rPr lang="zh-CN" altLang="en-US" smtClean="0"/>
-              <a:t>2020/9/30</a:t>
+              <a:t>2020/10/5</a:t>
             </a:fld>
             <a:endParaRPr lang="zh-CN" altLang="en-US"/>
           </a:p>
@@ -4170,7 +4170,7 @@
           <a:p>
             <a:fld id="{530820CF-B880-4189-942D-D702A7CBA730}" type="datetimeFigureOut">
               <a:rPr lang="zh-CN" altLang="en-US" smtClean="0"/>
-              <a:t>2020/9/30</a:t>
+              <a:t>2020/10/5</a:t>
             </a:fld>
             <a:endParaRPr lang="zh-CN" altLang="en-US"/>
           </a:p>
@@ -4341,7 +4341,7 @@
           <a:p>
             <a:fld id="{530820CF-B880-4189-942D-D702A7CBA730}" type="datetimeFigureOut">
               <a:rPr lang="zh-CN" altLang="en-US" smtClean="0"/>
-              <a:t>2020/9/30</a:t>
+              <a:t>2020/10/5</a:t>
             </a:fld>
             <a:endParaRPr lang="zh-CN" altLang="en-US"/>
           </a:p>
@@ -4522,7 +4522,7 @@
           <a:p>
             <a:fld id="{530820CF-B880-4189-942D-D702A7CBA730}" type="datetimeFigureOut">
               <a:rPr lang="zh-CN" altLang="en-US" smtClean="0"/>
-              <a:t>2020/9/30</a:t>
+              <a:t>2020/10/5</a:t>
             </a:fld>
             <a:endParaRPr lang="zh-CN" altLang="en-US"/>
           </a:p>
@@ -4693,7 +4693,7 @@
           <a:p>
             <a:fld id="{530820CF-B880-4189-942D-D702A7CBA730}" type="datetimeFigureOut">
               <a:rPr lang="zh-CN" altLang="en-US" smtClean="0"/>
-              <a:t>2020/9/30</a:t>
+              <a:t>2020/10/5</a:t>
             </a:fld>
             <a:endParaRPr lang="zh-CN" altLang="en-US"/>
           </a:p>
@@ -4941,7 +4941,7 @@
           <a:p>
             <a:fld id="{530820CF-B880-4189-942D-D702A7CBA730}" type="datetimeFigureOut">
               <a:rPr lang="zh-CN" altLang="en-US" smtClean="0"/>
-              <a:t>2020/9/30</a:t>
+              <a:t>2020/10/5</a:t>
             </a:fld>
             <a:endParaRPr lang="zh-CN" altLang="en-US"/>
           </a:p>
@@ -5229,7 +5229,7 @@
           <a:p>
             <a:fld id="{530820CF-B880-4189-942D-D702A7CBA730}" type="datetimeFigureOut">
               <a:rPr lang="zh-CN" altLang="en-US" smtClean="0"/>
-              <a:t>2020/9/30</a:t>
+              <a:t>2020/10/5</a:t>
             </a:fld>
             <a:endParaRPr lang="zh-CN" altLang="en-US"/>
           </a:p>
@@ -5651,7 +5651,7 @@
           <a:p>
             <a:fld id="{530820CF-B880-4189-942D-D702A7CBA730}" type="datetimeFigureOut">
               <a:rPr lang="zh-CN" altLang="en-US" smtClean="0"/>
-              <a:t>2020/9/30</a:t>
+              <a:t>2020/10/5</a:t>
             </a:fld>
             <a:endParaRPr lang="zh-CN" altLang="en-US"/>
           </a:p>
@@ -5771,7 +5771,7 @@
           <a:p>
             <a:fld id="{530820CF-B880-4189-942D-D702A7CBA730}" type="datetimeFigureOut">
               <a:rPr lang="zh-CN" altLang="en-US" smtClean="0"/>
-              <a:t>2020/9/30</a:t>
+              <a:t>2020/10/5</a:t>
             </a:fld>
             <a:endParaRPr lang="zh-CN" altLang="en-US"/>
           </a:p>
@@ -5869,7 +5869,7 @@
           <a:p>
             <a:fld id="{530820CF-B880-4189-942D-D702A7CBA730}" type="datetimeFigureOut">
               <a:rPr lang="zh-CN" altLang="en-US" smtClean="0"/>
-              <a:t>2020/9/30</a:t>
+              <a:t>2020/10/5</a:t>
             </a:fld>
             <a:endParaRPr lang="zh-CN" altLang="en-US"/>
           </a:p>
@@ -6004,7 +6004,7 @@
           <a:p>
             <a:fld id="{530820CF-B880-4189-942D-D702A7CBA730}" type="datetimeFigureOut">
               <a:rPr lang="zh-CN" altLang="en-US" smtClean="0"/>
-              <a:t>2020/9/30</a:t>
+              <a:t>2020/10/5</a:t>
             </a:fld>
             <a:endParaRPr lang="zh-CN" altLang="en-US"/>
           </a:p>
@@ -6287,7 +6287,7 @@
           <a:p>
             <a:fld id="{530820CF-B880-4189-942D-D702A7CBA730}" type="datetimeFigureOut">
               <a:rPr lang="zh-CN" altLang="en-US" smtClean="0"/>
-              <a:t>2020/9/30</a:t>
+              <a:t>2020/10/5</a:t>
             </a:fld>
             <a:endParaRPr lang="zh-CN" altLang="en-US"/>
           </a:p>
@@ -6501,7 +6501,7 @@
           <a:p>
             <a:fld id="{530820CF-B880-4189-942D-D702A7CBA730}" type="datetimeFigureOut">
               <a:rPr lang="zh-CN" altLang="en-US" smtClean="0"/>
-              <a:t>2020/9/30</a:t>
+              <a:t>2020/10/5</a:t>
             </a:fld>
             <a:endParaRPr lang="zh-CN" altLang="en-US"/>
           </a:p>
@@ -6908,7 +6908,7 @@
                 <a:latin typeface="迷你简幼线" panose="03000509000000000000" pitchFamily="65" charset="-122"/>
                 <a:ea typeface="迷你简幼线" panose="03000509000000000000" pitchFamily="65" charset="-122"/>
               </a:rPr>
-              <a:t>大数据分析与建模</a:t>
+              <a:t>大数据采集与分析</a:t>
             </a:r>
           </a:p>
         </p:txBody>
@@ -6921,8 +6921,8 @@
         </p:nvSpPr>
         <p:spPr>
           <a:xfrm>
-            <a:off x="6081631" y="3034494"/>
-            <a:ext cx="4567276" cy="523220"/>
+            <a:off x="6767690" y="3057577"/>
+            <a:ext cx="3129383" cy="523220"/>
           </a:xfrm>
           <a:prstGeom prst="rect">
             <a:avLst/>
@@ -6938,7 +6938,7 @@
               <a:rPr lang="en-US" altLang="zh-CN" sz="2800" dirty="0">
                 <a:latin typeface="Agency FB" panose="020B0503020202020204" pitchFamily="34" charset="0"/>
               </a:rPr>
-              <a:t>Big Data Analysis &amp; Constituting Model </a:t>
+              <a:t>Big Data Mining &amp; Analysis</a:t>
             </a:r>
             <a:endParaRPr lang="zh-CN" altLang="en-US" sz="2800" dirty="0">
               <a:latin typeface="Agency FB" panose="020B0503020202020204" pitchFamily="34" charset="0"/>
